--- a/Whiteboard design session/WDS trainer presentation - Leveraging Azure Digital Twins in a supply chain.pptx
+++ b/Whiteboard design session/WDS trainer presentation - Leveraging Azure Digital Twins in a supply chain.pptx
@@ -240,7 +240,7 @@
           <a:p>
             <a:fld id="{52A13B17-C506-4D51-BB37-16B365906619}" type="datetimeFigureOut">
               <a:rPr lang="en-US" smtClean="0"/>
-              <a:t>5/7/2021</a:t>
+              <a:t>10/25/2021</a:t>
             </a:fld>
             <a:endParaRPr lang="en-US"/>
           </a:p>
@@ -1647,7 +1647,7 @@
                 <a:effectLst/>
                 <a:latin typeface="-apple-system"/>
               </a:rPr>
-              <a:t>. Calling these APIs is also made available via a variety of </a:t>
+              <a:t>. Calling these APIs are automated in the </a:t>
             </a:r>
             <a:r>
               <a:rPr lang="en-US" b="1" i="0" dirty="0">
@@ -1657,7 +1657,7 @@
                 <a:effectLst/>
                 <a:latin typeface="-apple-system"/>
               </a:rPr>
-              <a:t>SDKs</a:t>
+              <a:t>Digital Twins Explorer </a:t>
             </a:r>
             <a:r>
               <a:rPr lang="en-US" b="0" i="0" dirty="0">
@@ -1667,7 +1667,7 @@
                 <a:effectLst/>
                 <a:latin typeface="-apple-system"/>
               </a:rPr>
-              <a:t> supporting languages such as C#, Java, JavaScript, and Python. Calling these APIs are automated in the </a:t>
+              <a:t>application if you desire a user interface to upload your models, full source code of this application is available on GitHub and can be deployed as necessary. Alternatively, </a:t>
             </a:r>
             <a:r>
               <a:rPr lang="en-US" b="1" i="0" dirty="0">
@@ -1677,7 +1677,7 @@
                 <a:effectLst/>
                 <a:latin typeface="-apple-system"/>
               </a:rPr>
-              <a:t>Digital Twins Explorer</a:t>
+              <a:t>Azure Digital Twins Explorer </a:t>
             </a:r>
             <a:r>
               <a:rPr lang="en-US" b="0" i="0" dirty="0">
@@ -1687,8 +1687,18 @@
                 <a:effectLst/>
                 <a:latin typeface="-apple-system"/>
               </a:rPr>
-              <a:t> application if you desire a user interface to upload your models.</a:t>
-            </a:r>
+              <a:t>functionality is also made available in the Azure Portal as a public preview. This service provides the capabilities of the Digital Twins Explorer application without having to build, deploy, and host its code. Locate this functionality on the Overview section of the deployed Azure Digital Twins resource.</a:t>
+            </a:r>
+          </a:p>
+          <a:p>
+            <a:pPr algn="l"/>
+            <a:endParaRPr lang="en-US" b="0" i="0" dirty="0">
+              <a:solidFill>
+                <a:srgbClr val="24292E"/>
+              </a:solidFill>
+              <a:effectLst/>
+              <a:latin typeface="-apple-system"/>
+            </a:endParaRPr>
           </a:p>
           <a:p>
             <a:pPr algn="l"/>
@@ -2841,6 +2851,16 @@
           <a:lstStyle/>
           <a:p>
             <a:r>
+              <a:rPr lang="en-US" b="1" i="0" dirty="0">
+                <a:solidFill>
+                  <a:srgbClr val="24292E"/>
+                </a:solidFill>
+                <a:effectLst/>
+                <a:latin typeface="-apple-system"/>
+              </a:rPr>
+              <a:t>Azure Time Series insights </a:t>
+            </a:r>
+            <a:r>
               <a:rPr lang="en-US" b="0" i="0" dirty="0">
                 <a:solidFill>
                   <a:srgbClr val="24292E"/>
@@ -2848,7 +2868,136 @@
                 <a:effectLst/>
                 <a:latin typeface="-apple-system"/>
               </a:rPr>
-              <a:t>Azure Time Series insights allows for ad-hoc queries and visualization of historical data. Alternatively, data could be forwarded to other analysis services such as Azure Synapse Analytics to take advantage of visualization capabilities such as serverless SQL, Apache Spark, and Power BI.</a:t>
+              <a:t>allows for ad-hoc queries and visualization of historical data. </a:t>
+            </a:r>
+          </a:p>
+          <a:p>
+            <a:endParaRPr lang="en-US" b="0" i="0" dirty="0">
+              <a:solidFill>
+                <a:srgbClr val="24292E"/>
+              </a:solidFill>
+              <a:effectLst/>
+              <a:latin typeface="-apple-system"/>
+            </a:endParaRPr>
+          </a:p>
+          <a:p>
+            <a:r>
+              <a:rPr lang="en-US" b="0" i="0" dirty="0">
+                <a:solidFill>
+                  <a:srgbClr val="24292E"/>
+                </a:solidFill>
+                <a:effectLst/>
+                <a:latin typeface="-apple-system"/>
+              </a:rPr>
+              <a:t>Alternatively, data could be forwarded to other analysis services such as </a:t>
+            </a:r>
+            <a:r>
+              <a:rPr lang="en-US" b="1" i="0" dirty="0">
+                <a:solidFill>
+                  <a:srgbClr val="24292E"/>
+                </a:solidFill>
+                <a:effectLst/>
+                <a:latin typeface="-apple-system"/>
+              </a:rPr>
+              <a:t>Azure Synapse Analytics</a:t>
+            </a:r>
+            <a:r>
+              <a:rPr lang="en-US" b="0" i="0" dirty="0">
+                <a:solidFill>
+                  <a:srgbClr val="24292E"/>
+                </a:solidFill>
+                <a:effectLst/>
+                <a:latin typeface="-apple-system"/>
+              </a:rPr>
+              <a:t> to take advantage of capabilities such as serverless SQL, Apache Spark, and Power BI. </a:t>
+            </a:r>
+          </a:p>
+          <a:p>
+            <a:endParaRPr lang="en-US" b="0" i="0" dirty="0">
+              <a:solidFill>
+                <a:srgbClr val="24292E"/>
+              </a:solidFill>
+              <a:effectLst/>
+              <a:latin typeface="-apple-system"/>
+            </a:endParaRPr>
+          </a:p>
+          <a:p>
+            <a:pPr marL="0" marR="0" lvl="0" indent="0" algn="l" defTabSz="914400" rtl="0" eaLnBrk="1" fontAlgn="auto" latinLnBrk="0" hangingPunct="1">
+              <a:lnSpc>
+                <a:spcPct val="100000"/>
+              </a:lnSpc>
+              <a:spcBef>
+                <a:spcPts val="0"/>
+              </a:spcBef>
+              <a:spcAft>
+                <a:spcPts val="0"/>
+              </a:spcAft>
+              <a:buClrTx/>
+              <a:buSzTx/>
+              <a:buFontTx/>
+              <a:buNone/>
+              <a:tabLst/>
+              <a:defRPr/>
+            </a:pPr>
+            <a:r>
+              <a:rPr lang="en-US" b="1" i="0" dirty="0">
+                <a:solidFill>
+                  <a:srgbClr val="24292E"/>
+                </a:solidFill>
+                <a:effectLst/>
+                <a:latin typeface="-apple-system"/>
+              </a:rPr>
+              <a:t>Azure Data Explorer </a:t>
+            </a:r>
+            <a:r>
+              <a:rPr lang="en-US" b="0" i="0" dirty="0">
+                <a:solidFill>
+                  <a:srgbClr val="24292E"/>
+                </a:solidFill>
+                <a:effectLst/>
+                <a:latin typeface="-apple-system"/>
+              </a:rPr>
+              <a:t>provides querying capabilities via direct integration with the Azure Digital Twins service through </a:t>
+            </a:r>
+            <a:r>
+              <a:rPr lang="en-US" b="0" i="0">
+                <a:solidFill>
+                  <a:srgbClr val="24292E"/>
+                </a:solidFill>
+                <a:effectLst/>
+                <a:latin typeface="-apple-system"/>
+              </a:rPr>
+              <a:t>the </a:t>
+            </a:r>
+            <a:r>
+              <a:rPr lang="en-US" b="1">
+                <a:solidFill>
+                  <a:srgbClr val="569CD6"/>
+                </a:solidFill>
+                <a:effectLst/>
+                <a:latin typeface="Consolas" panose="020B0609020204030204" pitchFamily="49" charset="0"/>
+              </a:rPr>
+              <a:t>Azure Digital Twins query plugin for Azure Data Explorer</a:t>
+            </a:r>
+            <a:r>
+              <a:rPr lang="en-US" b="0" i="0">
+                <a:solidFill>
+                  <a:srgbClr val="24292E"/>
+                </a:solidFill>
+                <a:effectLst/>
+                <a:latin typeface="-apple-system"/>
+              </a:rPr>
+              <a:t>. </a:t>
+            </a:r>
+            <a:r>
+              <a:rPr lang="en-US" b="0" i="0" dirty="0">
+                <a:solidFill>
+                  <a:srgbClr val="24292E"/>
+                </a:solidFill>
+                <a:effectLst/>
+                <a:latin typeface="-apple-system"/>
+              </a:rPr>
+              <a:t>This plugin allows for the invocation of Kusto queries that join Azure Digital Twins data and Azure Data Explorer time series databases.</a:t>
             </a:r>
             <a:endParaRPr lang="en-US" dirty="0"/>
           </a:p>
@@ -3529,7 +3678,7 @@
                   <a:prstClr val="black"/>
                 </a:solidFill>
               </a:rPr>
-              <a:t>5/7/2021 1:04 PM</a:t>
+              <a:t>10/25/2021 5:01 PM</a:t>
             </a:fld>
             <a:endParaRPr lang="en-US" dirty="0">
               <a:solidFill>
@@ -18353,7 +18502,7 @@
             </a:pPr>
             <a:r>
               <a:rPr lang="en-US" sz="2800" dirty="0"/>
-              <a:t>- Digital Twins Explorer application</a:t>
+              <a:t>- Digital Twins Explorer application / Azure Digital Twins Explorer (Preview)</a:t>
             </a:r>
           </a:p>
         </p:txBody>
@@ -19332,7 +19481,7 @@
         <p:spPr>
           <a:xfrm>
             <a:off x="269239" y="1189177"/>
-            <a:ext cx="11653523" cy="3149517"/>
+            <a:ext cx="11653523" cy="5433219"/>
           </a:xfrm>
         </p:spPr>
         <p:txBody>
@@ -19360,6 +19509,36 @@
             <a:r>
               <a:rPr lang="en-US" sz="2800" dirty="0"/>
               <a:t>Azure Time Series Insights allows for ad-hoc queries and visualization of historical data.</a:t>
+            </a:r>
+          </a:p>
+          <a:p>
+            <a:pPr marL="0" indent="0">
+              <a:buNone/>
+            </a:pPr>
+            <a:endParaRPr lang="en-US" sz="2800" dirty="0"/>
+          </a:p>
+          <a:p>
+            <a:pPr marL="0" indent="0">
+              <a:buNone/>
+            </a:pPr>
+            <a:r>
+              <a:rPr lang="en-US" sz="2800" dirty="0"/>
+              <a:t>Azure Synapse Analytics provides querying and visualization capabilities leveraging SQL, serverless SQL, Apache Spark, and Power BI</a:t>
+            </a:r>
+          </a:p>
+          <a:p>
+            <a:pPr marL="0" indent="0">
+              <a:buNone/>
+            </a:pPr>
+            <a:endParaRPr lang="en-US" sz="2800" dirty="0"/>
+          </a:p>
+          <a:p>
+            <a:pPr marL="0" indent="0">
+              <a:buNone/>
+            </a:pPr>
+            <a:r>
+              <a:rPr lang="en-US" sz="2800" dirty="0"/>
+              <a:t>Direct integration with Azure Data Explorer via the Azure Digital Twins Plugin</a:t>
             </a:r>
           </a:p>
         </p:txBody>
@@ -22493,6 +22672,15 @@
 </file>
 
 <file path=customXml/item1.xml><?xml version="1.0" encoding="utf-8"?>
+<p:properties xmlns:p="http://schemas.microsoft.com/office/2006/metadata/properties" xmlns:xsi="http://www.w3.org/2001/XMLSchema-instance" xmlns:pc="http://schemas.microsoft.com/office/infopath/2007/PartnerControls">
+  <documentManagement>
+    <_ip_UnifiedCompliancePolicyUIAction xmlns="http://schemas.microsoft.com/sharepoint/v3" xsi:nil="true"/>
+    <_ip_UnifiedCompliancePolicyProperties xmlns="http://schemas.microsoft.com/sharepoint/v3" xsi:nil="true"/>
+  </documentManagement>
+</p:properties>
+</file>
+
+<file path=customXml/item2.xml><?xml version="1.0" encoding="utf-8"?>
 <ct:contentTypeSchema xmlns:ct="http://schemas.microsoft.com/office/2006/metadata/contentType" xmlns:ma="http://schemas.microsoft.com/office/2006/metadata/properties/metaAttributes" ct:_="" ma:_="" ma:contentTypeName="Document" ma:contentTypeID="0x010100D15DFA3690A15B4081582BBCC6BEAC3E" ma:contentTypeVersion="9" ma:contentTypeDescription="Create a new document." ma:contentTypeScope="" ma:versionID="642da1784587cbe85a7fdbbe4dc36103">
   <xsd:schema xmlns:xsd="http://www.w3.org/2001/XMLSchema" xmlns:xs="http://www.w3.org/2001/XMLSchema" xmlns:p="http://schemas.microsoft.com/office/2006/metadata/properties" xmlns:ns1="http://schemas.microsoft.com/sharepoint/v3" xmlns:ns2="2023ac63-7b75-4916-a9ee-591457758eee" xmlns:ns3="d9c797ad-d7c3-4982-82b7-81352a75e4a5" targetNamespace="http://schemas.microsoft.com/office/2006/metadata/properties" ma:root="true" ma:fieldsID="91198b0246576053cc55dd2c67035a89" ns1:_="" ns2:_="" ns3:_="">
     <xsd:import namespace="http://schemas.microsoft.com/sharepoint/v3"/>
@@ -22694,15 +22882,6 @@
 </ct:contentTypeSchema>
 </file>
 
-<file path=customXml/item2.xml><?xml version="1.0" encoding="utf-8"?>
-<p:properties xmlns:p="http://schemas.microsoft.com/office/2006/metadata/properties" xmlns:xsi="http://www.w3.org/2001/XMLSchema-instance" xmlns:pc="http://schemas.microsoft.com/office/infopath/2007/PartnerControls">
-  <documentManagement>
-    <_ip_UnifiedCompliancePolicyUIAction xmlns="http://schemas.microsoft.com/sharepoint/v3" xsi:nil="true"/>
-    <_ip_UnifiedCompliancePolicyProperties xmlns="http://schemas.microsoft.com/sharepoint/v3" xsi:nil="true"/>
-  </documentManagement>
-</p:properties>
-</file>
-
 <file path=customXml/item3.xml><?xml version="1.0" encoding="utf-8"?>
 <?mso-contentType ?>
 <FormTemplates xmlns="http://schemas.microsoft.com/sharepoint/v3/contenttype/forms">
@@ -22713,6 +22892,24 @@
 </file>
 
 <file path=customXml/itemProps1.xml><?xml version="1.0" encoding="utf-8"?>
+<ds:datastoreItem xmlns:ds="http://schemas.openxmlformats.org/officeDocument/2006/customXml" ds:itemID="{BAF7D529-36AB-45DA-B239-2F912F2D1610}">
+  <ds:schemaRefs>
+    <ds:schemaRef ds:uri="http://purl.org/dc/elements/1.1/"/>
+    <ds:schemaRef ds:uri="http://schemas.microsoft.com/office/2006/metadata/properties"/>
+    <ds:schemaRef ds:uri="http://purl.org/dc/terms/"/>
+    <ds:schemaRef ds:uri="http://schemas.microsoft.com/office/infopath/2007/PartnerControls"/>
+    <ds:schemaRef ds:uri="http://purl.org/dc/dcmitype/"/>
+    <ds:schemaRef ds:uri="http://schemas.openxmlformats.org/package/2006/metadata/core-properties"/>
+    <ds:schemaRef ds:uri="http://schemas.microsoft.com/office/2006/documentManagement/types"/>
+    <ds:schemaRef ds:uri="d9c797ad-d7c3-4982-82b7-81352a75e4a5"/>
+    <ds:schemaRef ds:uri="2023ac63-7b75-4916-a9ee-591457758eee"/>
+    <ds:schemaRef ds:uri="http://schemas.microsoft.com/sharepoint/v3"/>
+    <ds:schemaRef ds:uri="http://www.w3.org/XML/1998/namespace"/>
+  </ds:schemaRefs>
+</ds:datastoreItem>
+</file>
+
+<file path=customXml/itemProps2.xml><?xml version="1.0" encoding="utf-8"?>
 <ds:datastoreItem xmlns:ds="http://schemas.openxmlformats.org/officeDocument/2006/customXml" ds:itemID="{255F5BEB-6AD6-480A-8556-C80C5EBC10F2}">
   <ds:schemaRefs>
     <ds:schemaRef ds:uri="http://schemas.microsoft.com/office/2006/metadata/contentType"/>
@@ -22732,24 +22929,6 @@
 </ds:datastoreItem>
 </file>
 
-<file path=customXml/itemProps2.xml><?xml version="1.0" encoding="utf-8"?>
-<ds:datastoreItem xmlns:ds="http://schemas.openxmlformats.org/officeDocument/2006/customXml" ds:itemID="{BAF7D529-36AB-45DA-B239-2F912F2D1610}">
-  <ds:schemaRefs>
-    <ds:schemaRef ds:uri="http://purl.org/dc/elements/1.1/"/>
-    <ds:schemaRef ds:uri="http://schemas.microsoft.com/office/2006/metadata/properties"/>
-    <ds:schemaRef ds:uri="http://purl.org/dc/terms/"/>
-    <ds:schemaRef ds:uri="http://schemas.microsoft.com/office/infopath/2007/PartnerControls"/>
-    <ds:schemaRef ds:uri="http://purl.org/dc/dcmitype/"/>
-    <ds:schemaRef ds:uri="http://schemas.openxmlformats.org/package/2006/metadata/core-properties"/>
-    <ds:schemaRef ds:uri="http://schemas.microsoft.com/office/2006/documentManagement/types"/>
-    <ds:schemaRef ds:uri="d9c797ad-d7c3-4982-82b7-81352a75e4a5"/>
-    <ds:schemaRef ds:uri="2023ac63-7b75-4916-a9ee-591457758eee"/>
-    <ds:schemaRef ds:uri="http://schemas.microsoft.com/sharepoint/v3"/>
-    <ds:schemaRef ds:uri="http://www.w3.org/XML/1998/namespace"/>
-  </ds:schemaRefs>
-</ds:datastoreItem>
-</file>
-
 <file path=customXml/itemProps3.xml><?xml version="1.0" encoding="utf-8"?>
 <ds:datastoreItem xmlns:ds="http://schemas.openxmlformats.org/officeDocument/2006/customXml" ds:itemID="{F18501AF-04CF-4482-BAE1-607B49DDC378}">
   <ds:schemaRefs>
